--- a/도축장센서제작.pptx
+++ b/도축장센서제작.pptx
@@ -200,7 +200,7 @@
           <a:p>
             <a:fld id="{EF65B38D-1C4C-4C37-A071-3502D71E0FB6}" type="datetimeFigureOut">
               <a:rPr lang="ko-KR" altLang="en-US" smtClean="0"/>
-              <a:t>2025-02-02</a:t>
+              <a:t>2025-02-06</a:t>
             </a:fld>
             <a:endParaRPr lang="ko-KR" altLang="en-US"/>
           </a:p>
@@ -414,7 +414,7 @@
           <a:p>
             <a:fld id="{48A87A34-81AB-432B-8DAE-1953F412C126}" type="datetimeFigureOut">
               <a:rPr lang="en-US" smtClean="0"/>
-              <a:t>2/2/2025</a:t>
+              <a:t>2/6/2025</a:t>
             </a:fld>
             <a:endParaRPr lang="en-US" dirty="0"/>
           </a:p>
@@ -584,7 +584,7 @@
           <a:p>
             <a:fld id="{48A87A34-81AB-432B-8DAE-1953F412C126}" type="datetimeFigureOut">
               <a:rPr lang="en-US" smtClean="0"/>
-              <a:t>2/2/2025</a:t>
+              <a:t>2/6/2025</a:t>
             </a:fld>
             <a:endParaRPr lang="en-US" dirty="0"/>
           </a:p>
@@ -764,7 +764,7 @@
           <a:p>
             <a:fld id="{48A87A34-81AB-432B-8DAE-1953F412C126}" type="datetimeFigureOut">
               <a:rPr lang="en-US" smtClean="0"/>
-              <a:t>2/2/2025</a:t>
+              <a:t>2/6/2025</a:t>
             </a:fld>
             <a:endParaRPr lang="en-US" dirty="0"/>
           </a:p>
@@ -934,7 +934,7 @@
           <a:p>
             <a:fld id="{48A87A34-81AB-432B-8DAE-1953F412C126}" type="datetimeFigureOut">
               <a:rPr lang="en-US" smtClean="0"/>
-              <a:t>2/2/2025</a:t>
+              <a:t>2/6/2025</a:t>
             </a:fld>
             <a:endParaRPr lang="en-US" dirty="0"/>
           </a:p>
@@ -1180,7 +1180,7 @@
           <a:p>
             <a:fld id="{48A87A34-81AB-432B-8DAE-1953F412C126}" type="datetimeFigureOut">
               <a:rPr lang="en-US" smtClean="0"/>
-              <a:t>2/2/2025</a:t>
+              <a:t>2/6/2025</a:t>
             </a:fld>
             <a:endParaRPr lang="en-US" dirty="0"/>
           </a:p>
@@ -1412,7 +1412,7 @@
           <a:p>
             <a:fld id="{48A87A34-81AB-432B-8DAE-1953F412C126}" type="datetimeFigureOut">
               <a:rPr lang="en-US" smtClean="0"/>
-              <a:t>2/2/2025</a:t>
+              <a:t>2/6/2025</a:t>
             </a:fld>
             <a:endParaRPr lang="en-US" dirty="0"/>
           </a:p>
@@ -1779,7 +1779,7 @@
           <a:p>
             <a:fld id="{48A87A34-81AB-432B-8DAE-1953F412C126}" type="datetimeFigureOut">
               <a:rPr lang="en-US" smtClean="0"/>
-              <a:t>2/2/2025</a:t>
+              <a:t>2/6/2025</a:t>
             </a:fld>
             <a:endParaRPr lang="en-US" dirty="0"/>
           </a:p>
@@ -1897,7 +1897,7 @@
           <a:p>
             <a:fld id="{48A87A34-81AB-432B-8DAE-1953F412C126}" type="datetimeFigureOut">
               <a:rPr lang="en-US" smtClean="0"/>
-              <a:t>2/2/2025</a:t>
+              <a:t>2/6/2025</a:t>
             </a:fld>
             <a:endParaRPr lang="en-US" dirty="0"/>
           </a:p>
@@ -1992,7 +1992,7 @@
           <a:p>
             <a:fld id="{48A87A34-81AB-432B-8DAE-1953F412C126}" type="datetimeFigureOut">
               <a:rPr lang="en-US" smtClean="0"/>
-              <a:t>2/2/2025</a:t>
+              <a:t>2/6/2025</a:t>
             </a:fld>
             <a:endParaRPr lang="en-US" dirty="0"/>
           </a:p>
@@ -2269,7 +2269,7 @@
           <a:p>
             <a:fld id="{48A87A34-81AB-432B-8DAE-1953F412C126}" type="datetimeFigureOut">
               <a:rPr lang="en-US" smtClean="0"/>
-              <a:t>2/2/2025</a:t>
+              <a:t>2/6/2025</a:t>
             </a:fld>
             <a:endParaRPr lang="en-US" dirty="0"/>
           </a:p>
@@ -2522,7 +2522,7 @@
           <a:p>
             <a:fld id="{48A87A34-81AB-432B-8DAE-1953F412C126}" type="datetimeFigureOut">
               <a:rPr lang="en-US" smtClean="0"/>
-              <a:t>2/2/2025</a:t>
+              <a:t>2/6/2025</a:t>
             </a:fld>
             <a:endParaRPr lang="en-US" dirty="0"/>
           </a:p>
@@ -2736,7 +2736,7 @@
             <a:fld id="{48A87A34-81AB-432B-8DAE-1953F412C126}" type="datetimeFigureOut">
               <a:rPr lang="en-US" smtClean="0"/>
               <a:pPr/>
-              <a:t>2/2/2025</a:t>
+              <a:t>2/6/2025</a:t>
             </a:fld>
             <a:endParaRPr lang="en-US" dirty="0"/>
           </a:p>
@@ -3163,11 +3163,7 @@
             </a:r>
             <a:r>
               <a:rPr lang="ko-KR" altLang="en-US" b="1" dirty="0" smtClean="0"/>
-              <a:t>스마트탐침</a:t>
-            </a:r>
-            <a:r>
-              <a:rPr lang="ko-KR" altLang="en-US" b="1" dirty="0" smtClean="0"/>
-              <a:t>센서</a:t>
+              <a:t>스마트탐침센서</a:t>
             </a:r>
             <a:r>
               <a:rPr lang="en-US" altLang="ko-KR" b="1" dirty="0" smtClean="0"/>
@@ -3572,20 +3568,7 @@
                 <a:effectLst/>
                 <a:latin typeface="Arial" panose="020B0604020202020204" pitchFamily="34" charset="0"/>
               </a:rPr>
-              <a:t>   </a:t>
-            </a:r>
-            <a:r>
-              <a:rPr kumimoji="0" lang="en-US" altLang="ko-KR" sz="1800" b="0" i="0" u="none" strike="noStrike" cap="none" normalizeH="0" baseline="0" dirty="0" smtClean="0">
-                <a:ln>
-                  <a:noFill/>
-                </a:ln>
-                <a:solidFill>
-                  <a:schemeClr val="tx1"/>
-                </a:solidFill>
-                <a:effectLst/>
-                <a:latin typeface="Arial" panose="020B0604020202020204" pitchFamily="34" charset="0"/>
-              </a:rPr>
-              <a:t>10</a:t>
+              <a:t>   10</a:t>
             </a:r>
             <a:r>
               <a:rPr kumimoji="0" lang="ko-KR" altLang="en-US" sz="1800" b="0" i="0" u="none" strike="noStrike" cap="none" normalizeH="0" baseline="0" dirty="0" smtClean="0">
@@ -4173,7 +4156,7 @@
         <p:spPr/>
         <p:txBody>
           <a:bodyPr>
-            <a:normAutofit fontScale="85000" lnSpcReduction="20000"/>
+            <a:normAutofit fontScale="92500" lnSpcReduction="20000"/>
           </a:bodyPr>
           <a:lstStyle/>
           <a:p>
@@ -4209,7 +4192,196 @@
             </a:r>
             <a:r>
               <a:rPr lang="ko-KR" altLang="en-US" sz="2000" dirty="0" smtClean="0"/>
-              <a:t>초간 화면에 </a:t>
+              <a:t>초간 화면에 표시</a:t>
+            </a:r>
+            <a:endParaRPr lang="en-US" altLang="ko-KR" sz="2000" dirty="0" smtClean="0"/>
+          </a:p>
+          <a:p>
+            <a:r>
+              <a:rPr lang="en-US" altLang="ko-KR" sz="2000" dirty="0" smtClean="0"/>
+              <a:t>30</a:t>
+            </a:r>
+            <a:r>
+              <a:rPr lang="ko-KR" altLang="en-US" sz="2000" dirty="0" smtClean="0"/>
+              <a:t>초 이내에 버튼이 한번 더 눌러지면 </a:t>
+            </a:r>
+            <a:r>
+              <a:rPr lang="en-US" altLang="ko-KR" sz="2000" dirty="0" smtClean="0"/>
+              <a:t>10</a:t>
+            </a:r>
+            <a:r>
+              <a:rPr lang="ko-KR" altLang="en-US" sz="2000" dirty="0" smtClean="0"/>
+              <a:t>분 간격으로 온도측정 시작</a:t>
+            </a:r>
+            <a:endParaRPr lang="en-US" altLang="ko-KR" sz="2000" dirty="0" smtClean="0"/>
+          </a:p>
+          <a:p>
+            <a:r>
+              <a:rPr lang="en-US" altLang="ko-KR" sz="2000" dirty="0" smtClean="0"/>
+              <a:t>30</a:t>
+            </a:r>
+            <a:r>
+              <a:rPr lang="ko-KR" altLang="en-US" sz="2000" dirty="0" smtClean="0"/>
+              <a:t>초 이내에 버튼이 눌러지지 않으면 </a:t>
+            </a:r>
+            <a:r>
+              <a:rPr lang="en-US" altLang="ko-KR" sz="2000" dirty="0" smtClean="0"/>
+              <a:t>[READY</a:t>
+            </a:r>
+            <a:r>
+              <a:rPr lang="en-US" altLang="ko-KR" sz="2000" dirty="0" smtClean="0"/>
+              <a:t>] </a:t>
+            </a:r>
+            <a:r>
+              <a:rPr lang="ko-KR" altLang="en-US" sz="2000" dirty="0" smtClean="0"/>
+              <a:t>글자 삭제</a:t>
+            </a:r>
+            <a:r>
+              <a:rPr lang="en-US" altLang="ko-KR" sz="2000" dirty="0" smtClean="0"/>
+              <a:t>, </a:t>
+            </a:r>
+            <a:r>
+              <a:rPr lang="ko-KR" altLang="en-US" sz="2000" dirty="0" err="1" smtClean="0"/>
+              <a:t>기본화면</a:t>
+            </a:r>
+            <a:r>
+              <a:rPr lang="ko-KR" altLang="en-US" sz="2000" dirty="0" smtClean="0"/>
+              <a:t> 표시</a:t>
+            </a:r>
+            <a:endParaRPr lang="en-US" altLang="ko-KR" sz="2000" dirty="0" smtClean="0"/>
+          </a:p>
+          <a:p>
+            <a:r>
+              <a:rPr lang="ko-KR" altLang="en-US" sz="2000" dirty="0" smtClean="0"/>
+              <a:t>측정시작되면 </a:t>
+            </a:r>
+            <a:r>
+              <a:rPr lang="ko-KR" altLang="en-US" sz="2000" dirty="0" smtClean="0"/>
+              <a:t>기존 저장된 </a:t>
+            </a:r>
+            <a:r>
+              <a:rPr lang="ko-KR" altLang="en-US" sz="2000" dirty="0" smtClean="0"/>
+              <a:t>측정값 </a:t>
+            </a:r>
+            <a:r>
+              <a:rPr lang="ko-KR" altLang="en-US" sz="2000" dirty="0" smtClean="0"/>
+              <a:t>삭제되고 새 데이터로 저장 시작</a:t>
+            </a:r>
+            <a:endParaRPr lang="en-US" altLang="ko-KR" sz="2000" dirty="0" smtClean="0"/>
+          </a:p>
+          <a:p>
+            <a:r>
+              <a:rPr lang="ko-KR" altLang="en-US" sz="2000" dirty="0" smtClean="0"/>
+              <a:t>온도 측정 후 메모리에 저장</a:t>
+            </a:r>
+            <a:r>
+              <a:rPr lang="en-US" altLang="ko-KR" sz="2000" dirty="0" smtClean="0"/>
+              <a:t>,</a:t>
+            </a:r>
+            <a:r>
+              <a:rPr lang="ko-KR" altLang="en-US" sz="2000" dirty="0" smtClean="0"/>
+              <a:t>  딥슬립모드로 진입</a:t>
+            </a:r>
+            <a:endParaRPr lang="en-US" altLang="ko-KR" sz="2000" dirty="0" smtClean="0"/>
+          </a:p>
+          <a:p>
+            <a:r>
+              <a:rPr lang="en-US" altLang="ko-KR" sz="2000" dirty="0" smtClean="0"/>
+              <a:t>10</a:t>
+            </a:r>
+            <a:r>
+              <a:rPr lang="ko-KR" altLang="en-US" sz="2000" dirty="0" err="1" smtClean="0"/>
+              <a:t>분후</a:t>
+            </a:r>
+            <a:r>
+              <a:rPr lang="ko-KR" altLang="en-US" sz="2000" dirty="0" smtClean="0"/>
+              <a:t> </a:t>
+            </a:r>
+            <a:r>
+              <a:rPr lang="ko-KR" altLang="en-US" sz="2000" dirty="0" err="1" smtClean="0"/>
+              <a:t>웨이크업</a:t>
+            </a:r>
+            <a:r>
+              <a:rPr lang="ko-KR" altLang="en-US" sz="2000" dirty="0" smtClean="0"/>
+              <a:t> 해서 온도 측정 후 </a:t>
+            </a:r>
+            <a:r>
+              <a:rPr lang="ko-KR" altLang="en-US" sz="2000" dirty="0" err="1" smtClean="0"/>
+              <a:t>메모리저장</a:t>
+            </a:r>
+            <a:r>
+              <a:rPr lang="ko-KR" altLang="en-US" sz="2000" dirty="0" smtClean="0"/>
+              <a:t> 후 </a:t>
+            </a:r>
+            <a:r>
+              <a:rPr lang="ko-KR" altLang="en-US" sz="2000" dirty="0" err="1" smtClean="0"/>
+              <a:t>딥슬립모드</a:t>
+            </a:r>
+            <a:r>
+              <a:rPr lang="ko-KR" altLang="en-US" sz="2000" dirty="0" smtClean="0"/>
+              <a:t> 진입을 반복</a:t>
+            </a:r>
+            <a:endParaRPr lang="en-US" altLang="ko-KR" sz="2000" dirty="0" smtClean="0"/>
+          </a:p>
+          <a:p>
+            <a:r>
+              <a:rPr lang="ko-KR" altLang="en-US" sz="2000" dirty="0" smtClean="0"/>
+              <a:t>온도 측정 중 버튼이 눌러지면 </a:t>
+            </a:r>
+            <a:r>
+              <a:rPr lang="ko-KR" altLang="en-US" sz="2000" dirty="0" err="1" smtClean="0"/>
+              <a:t>웨이크업해서</a:t>
+            </a:r>
+            <a:r>
+              <a:rPr lang="ko-KR" altLang="en-US" sz="2000" dirty="0" smtClean="0"/>
+              <a:t> </a:t>
+            </a:r>
+            <a:r>
+              <a:rPr lang="en-US" altLang="ko-KR" sz="2000" dirty="0" smtClean="0"/>
+              <a:t>[CANCLE ?] 10</a:t>
+            </a:r>
+            <a:r>
+              <a:rPr lang="ko-KR" altLang="en-US" sz="2000" dirty="0" smtClean="0"/>
+              <a:t>초간 화면에 표시</a:t>
+            </a:r>
+            <a:endParaRPr lang="en-US" altLang="ko-KR" sz="2000" dirty="0" smtClean="0"/>
+          </a:p>
+          <a:p>
+            <a:r>
+              <a:rPr lang="en-US" altLang="ko-KR" sz="2000" dirty="0" smtClean="0"/>
+              <a:t>10</a:t>
+            </a:r>
+            <a:r>
+              <a:rPr lang="ko-KR" altLang="en-US" sz="2000" dirty="0" smtClean="0"/>
+              <a:t>초 이내에 버튼을 누르면 </a:t>
+            </a:r>
+            <a:r>
+              <a:rPr lang="ko-KR" altLang="en-US" sz="2000" dirty="0" err="1" smtClean="0"/>
+              <a:t>측정중단</a:t>
+            </a:r>
+            <a:r>
+              <a:rPr lang="ko-KR" altLang="en-US" sz="2000" dirty="0" smtClean="0"/>
+              <a:t> 하고 메모리에 저장된 온도측정값이 </a:t>
+            </a:r>
+            <a:r>
+              <a:rPr lang="ko-KR" altLang="en-US" sz="2000" dirty="0" err="1" smtClean="0"/>
+              <a:t>있을경우</a:t>
+            </a:r>
+            <a:r>
+              <a:rPr lang="ko-KR" altLang="en-US" sz="2000" dirty="0" smtClean="0"/>
+              <a:t> </a:t>
+            </a:r>
+            <a:r>
+              <a:rPr lang="ko-KR" altLang="en-US" sz="2000" dirty="0" err="1" smtClean="0"/>
+              <a:t>기본화면에</a:t>
+            </a:r>
+            <a:r>
+              <a:rPr lang="ko-KR" altLang="en-US" sz="2000" dirty="0" smtClean="0"/>
+              <a:t> </a:t>
+            </a:r>
+            <a:r>
+              <a:rPr lang="en-US" altLang="ko-KR" sz="2000" dirty="0" smtClean="0"/>
+              <a:t>[DATA SAVE] </a:t>
             </a:r>
             <a:r>
               <a:rPr lang="ko-KR" altLang="en-US" sz="2000" dirty="0" smtClean="0"/>
@@ -4220,11 +4392,92 @@
           <a:p>
             <a:r>
               <a:rPr lang="en-US" altLang="ko-KR" sz="2000" dirty="0" smtClean="0"/>
-              <a:t>30</a:t>
+              <a:t>[CANCLE ?] </a:t>
             </a:r>
             <a:r>
               <a:rPr lang="ko-KR" altLang="en-US" sz="2000" dirty="0" smtClean="0"/>
-              <a:t>초가 지나면 </a:t>
+              <a:t>표시 후 </a:t>
+            </a:r>
+            <a:r>
+              <a:rPr lang="en-US" altLang="ko-KR" sz="2000" dirty="0" smtClean="0"/>
+              <a:t>10</a:t>
+            </a:r>
+            <a:r>
+              <a:rPr lang="ko-KR" altLang="en-US" sz="2000" dirty="0" smtClean="0"/>
+              <a:t>초 이내에 버튼이 눌러지지 않으면 </a:t>
+            </a:r>
+            <a:r>
+              <a:rPr lang="ko-KR" altLang="en-US" sz="2000" dirty="0" smtClean="0"/>
+              <a:t>온도측정 </a:t>
+            </a:r>
+            <a:r>
+              <a:rPr lang="ko-KR" altLang="en-US" sz="2000" dirty="0" smtClean="0"/>
+              <a:t>재개</a:t>
+            </a:r>
+            <a:endParaRPr lang="en-US" altLang="ko-KR" sz="2000" dirty="0" smtClean="0"/>
+          </a:p>
+          <a:p>
+            <a:r>
+              <a:rPr lang="ko-KR" altLang="en-US" sz="2000" dirty="0" smtClean="0"/>
+              <a:t>화면에 </a:t>
+            </a:r>
+            <a:r>
+              <a:rPr lang="en-US" altLang="ko-KR" sz="2000" dirty="0" smtClean="0"/>
+              <a:t>[DATA SAVE] </a:t>
+            </a:r>
+            <a:r>
+              <a:rPr lang="ko-KR" altLang="en-US" sz="2000" dirty="0" smtClean="0"/>
+              <a:t>표시된 상태에서 와이파이 연결이 되면 데이터 전송</a:t>
+            </a:r>
+            <a:r>
+              <a:rPr lang="en-US" altLang="ko-KR" sz="2000" dirty="0" smtClean="0"/>
+              <a:t>(</a:t>
+            </a:r>
+            <a:r>
+              <a:rPr lang="ko-KR" altLang="en-US" sz="2000" dirty="0" smtClean="0"/>
+              <a:t>자동 </a:t>
+            </a:r>
+            <a:r>
+              <a:rPr lang="en-US" altLang="ko-KR" sz="2000" dirty="0" smtClean="0"/>
+              <a:t>or </a:t>
+            </a:r>
+            <a:r>
+              <a:rPr lang="ko-KR" altLang="en-US" sz="2000" dirty="0" smtClean="0"/>
+              <a:t>수동</a:t>
+            </a:r>
+            <a:r>
+              <a:rPr lang="en-US" altLang="ko-KR" sz="2000" dirty="0" smtClean="0"/>
+              <a:t>)</a:t>
+            </a:r>
+          </a:p>
+          <a:p>
+            <a:r>
+              <a:rPr lang="ko-KR" altLang="en-US" sz="2000" dirty="0" smtClean="0"/>
+              <a:t>수동일 경우 </a:t>
+            </a:r>
+            <a:r>
+              <a:rPr lang="en-US" altLang="ko-KR" sz="2000" dirty="0" smtClean="0"/>
+              <a:t>[SEND DATA?] </a:t>
+            </a:r>
+            <a:r>
+              <a:rPr lang="ko-KR" altLang="en-US" sz="2000" dirty="0" smtClean="0"/>
+              <a:t>화면에 표시 하고 </a:t>
+            </a:r>
+            <a:r>
+              <a:rPr lang="ko-KR" altLang="en-US" sz="2000" dirty="0" smtClean="0"/>
+              <a:t>버튼 누르면 </a:t>
+            </a:r>
+            <a:r>
+              <a:rPr lang="ko-KR" altLang="en-US" sz="2000" dirty="0" smtClean="0"/>
+              <a:t>측정값 </a:t>
+            </a:r>
+            <a:r>
+              <a:rPr lang="ko-KR" altLang="en-US" sz="2000" dirty="0" err="1" smtClean="0"/>
+              <a:t>전송후</a:t>
+            </a:r>
+            <a:r>
+              <a:rPr lang="en-US" altLang="ko-KR" sz="2000" dirty="0" smtClean="0"/>
+              <a:t> </a:t>
             </a:r>
             <a:r>
               <a:rPr lang="ko-KR" altLang="en-US" sz="2000" dirty="0" err="1" smtClean="0"/>
@@ -4232,272 +4485,7 @@
             </a:r>
             <a:r>
               <a:rPr lang="ko-KR" altLang="en-US" sz="2000" dirty="0" smtClean="0"/>
-              <a:t> </a:t>
-            </a:r>
-            <a:r>
-              <a:rPr lang="en-US" altLang="ko-KR" sz="2000" dirty="0" smtClean="0"/>
-              <a:t>[READY] </a:t>
-            </a:r>
-            <a:r>
-              <a:rPr lang="ko-KR" altLang="en-US" sz="2000" dirty="0" smtClean="0"/>
-              <a:t>사라짐</a:t>
-            </a:r>
-            <a:endParaRPr lang="en-US" altLang="ko-KR" sz="2000" dirty="0" smtClean="0"/>
-          </a:p>
-          <a:p>
-            <a:r>
-              <a:rPr lang="en-US" altLang="ko-KR" sz="2000" dirty="0" smtClean="0"/>
-              <a:t>[READY] </a:t>
-            </a:r>
-            <a:r>
-              <a:rPr lang="ko-KR" altLang="en-US" sz="2000" dirty="0" smtClean="0"/>
-              <a:t>가</a:t>
-            </a:r>
-            <a:r>
-              <a:rPr lang="en-US" altLang="ko-KR" sz="2000" dirty="0" smtClean="0"/>
-              <a:t> </a:t>
-            </a:r>
-            <a:r>
-              <a:rPr lang="ko-KR" altLang="en-US" sz="2000" dirty="0" smtClean="0"/>
-              <a:t>표시된 상태에서 한번 더 누르면 </a:t>
-            </a:r>
-            <a:r>
-              <a:rPr lang="en-US" altLang="ko-KR" sz="2000" dirty="0" smtClean="0"/>
-              <a:t>5.4.3.2.1 </a:t>
-            </a:r>
-            <a:r>
-              <a:rPr lang="ko-KR" altLang="en-US" sz="2000" dirty="0" smtClean="0"/>
-              <a:t>카운트 후 </a:t>
-            </a:r>
-            <a:r>
-              <a:rPr lang="ko-KR" altLang="en-US" sz="2000" dirty="0" err="1" smtClean="0"/>
-              <a:t>측정시작</a:t>
-            </a:r>
-            <a:endParaRPr lang="en-US" altLang="ko-KR" sz="2000" dirty="0" smtClean="0"/>
-          </a:p>
-          <a:p>
-            <a:r>
-              <a:rPr lang="ko-KR" altLang="en-US" sz="2000" dirty="0" smtClean="0"/>
-              <a:t>카운트 중 버튼을 누르면 </a:t>
-            </a:r>
-            <a:r>
-              <a:rPr lang="ko-KR" altLang="en-US" sz="2000" dirty="0" err="1" smtClean="0"/>
-              <a:t>측정진입</a:t>
-            </a:r>
-            <a:r>
-              <a:rPr lang="ko-KR" altLang="en-US" sz="2000" dirty="0" smtClean="0"/>
-              <a:t> 중단</a:t>
-            </a:r>
-            <a:r>
-              <a:rPr lang="en-US" altLang="ko-KR" sz="2000" dirty="0" smtClean="0"/>
-              <a:t>, </a:t>
-            </a:r>
-            <a:r>
-              <a:rPr lang="ko-KR" altLang="en-US" sz="2000" dirty="0" smtClean="0"/>
-              <a:t>기본화면으로 </a:t>
-            </a:r>
-            <a:endParaRPr lang="en-US" altLang="ko-KR" sz="2000" dirty="0" smtClean="0"/>
-          </a:p>
-          <a:p>
-            <a:r>
-              <a:rPr lang="ko-KR" altLang="en-US" sz="2000" dirty="0" smtClean="0"/>
-              <a:t>측정시작되면 기존 저장된 데이터 삭제되고 새 데이터로 저장 시작</a:t>
-            </a:r>
-            <a:endParaRPr lang="en-US" altLang="ko-KR" sz="2000" dirty="0" smtClean="0"/>
-          </a:p>
-          <a:p>
-            <a:r>
-              <a:rPr lang="ko-KR" altLang="en-US" sz="2000" dirty="0" smtClean="0"/>
-              <a:t>온도 측정 후 메모리에 저장</a:t>
-            </a:r>
-            <a:r>
-              <a:rPr lang="en-US" altLang="ko-KR" sz="2000" dirty="0" smtClean="0"/>
-              <a:t>,</a:t>
-            </a:r>
-            <a:r>
-              <a:rPr lang="ko-KR" altLang="en-US" sz="2000" dirty="0" smtClean="0"/>
-              <a:t>  딥슬립모드로 진입</a:t>
-            </a:r>
-            <a:endParaRPr lang="en-US" altLang="ko-KR" sz="2000" dirty="0" smtClean="0"/>
-          </a:p>
-          <a:p>
-            <a:r>
-              <a:rPr lang="en-US" altLang="ko-KR" sz="2000" dirty="0" smtClean="0"/>
-              <a:t>10</a:t>
-            </a:r>
-            <a:r>
-              <a:rPr lang="ko-KR" altLang="en-US" sz="2000" dirty="0" err="1" smtClean="0"/>
-              <a:t>분후</a:t>
-            </a:r>
-            <a:r>
-              <a:rPr lang="ko-KR" altLang="en-US" sz="2000" dirty="0" smtClean="0"/>
-              <a:t> </a:t>
-            </a:r>
-            <a:r>
-              <a:rPr lang="ko-KR" altLang="en-US" sz="2000" dirty="0" err="1" smtClean="0"/>
-              <a:t>웨이크업</a:t>
-            </a:r>
-            <a:r>
-              <a:rPr lang="ko-KR" altLang="en-US" sz="2000" dirty="0" smtClean="0"/>
-              <a:t> 해서 온도 측정 후 </a:t>
-            </a:r>
-            <a:r>
-              <a:rPr lang="ko-KR" altLang="en-US" sz="2000" dirty="0" err="1" smtClean="0"/>
-              <a:t>메모리저장</a:t>
-            </a:r>
-            <a:r>
-              <a:rPr lang="ko-KR" altLang="en-US" sz="2000" dirty="0" smtClean="0"/>
-              <a:t> 후 </a:t>
-            </a:r>
-            <a:r>
-              <a:rPr lang="ko-KR" altLang="en-US" sz="2000" dirty="0" err="1" smtClean="0"/>
-              <a:t>딥슬립모드</a:t>
-            </a:r>
-            <a:r>
-              <a:rPr lang="ko-KR" altLang="en-US" sz="2000" dirty="0" smtClean="0"/>
-              <a:t> 진입을 반복</a:t>
-            </a:r>
-            <a:endParaRPr lang="en-US" altLang="ko-KR" sz="2000" dirty="0" smtClean="0"/>
-          </a:p>
-          <a:p>
-            <a:r>
-              <a:rPr lang="ko-KR" altLang="en-US" sz="2000" dirty="0" smtClean="0"/>
-              <a:t>온도 측정 중 버튼이 눌러지면 </a:t>
-            </a:r>
-            <a:r>
-              <a:rPr lang="ko-KR" altLang="en-US" sz="2000" dirty="0" err="1" smtClean="0"/>
-              <a:t>웨이크업해서</a:t>
-            </a:r>
-            <a:r>
-              <a:rPr lang="ko-KR" altLang="en-US" sz="2000" dirty="0" smtClean="0"/>
-              <a:t> </a:t>
-            </a:r>
-            <a:r>
-              <a:rPr lang="en-US" altLang="ko-KR" sz="2000" dirty="0" smtClean="0"/>
-              <a:t>[CANCLE ?] 10</a:t>
-            </a:r>
-            <a:r>
-              <a:rPr lang="ko-KR" altLang="en-US" sz="2000" dirty="0" smtClean="0"/>
-              <a:t>초간 화면에 표시</a:t>
-            </a:r>
-            <a:endParaRPr lang="en-US" altLang="ko-KR" sz="2000" dirty="0" smtClean="0"/>
-          </a:p>
-          <a:p>
-            <a:r>
-              <a:rPr lang="en-US" altLang="ko-KR" sz="2000" dirty="0" smtClean="0"/>
-              <a:t>10</a:t>
-            </a:r>
-            <a:r>
-              <a:rPr lang="ko-KR" altLang="en-US" sz="2000" dirty="0" smtClean="0"/>
-              <a:t>초 이내에 버튼을 누르면 </a:t>
-            </a:r>
-            <a:r>
-              <a:rPr lang="ko-KR" altLang="en-US" sz="2000" dirty="0" err="1" smtClean="0"/>
-              <a:t>측정중단</a:t>
-            </a:r>
-            <a:r>
-              <a:rPr lang="ko-KR" altLang="en-US" sz="2000" dirty="0" smtClean="0"/>
-              <a:t> 하고 메모리에 저장된 온도측정값이 </a:t>
-            </a:r>
-            <a:r>
-              <a:rPr lang="ko-KR" altLang="en-US" sz="2000" dirty="0" err="1" smtClean="0"/>
-              <a:t>있을경우</a:t>
-            </a:r>
-            <a:r>
-              <a:rPr lang="ko-KR" altLang="en-US" sz="2000" dirty="0" smtClean="0"/>
-              <a:t> </a:t>
-            </a:r>
-            <a:r>
-              <a:rPr lang="ko-KR" altLang="en-US" sz="2000" dirty="0" err="1" smtClean="0"/>
-              <a:t>기본화면에</a:t>
-            </a:r>
-            <a:r>
-              <a:rPr lang="ko-KR" altLang="en-US" sz="2000" dirty="0" smtClean="0"/>
-              <a:t> </a:t>
-            </a:r>
-            <a:r>
-              <a:rPr lang="en-US" altLang="ko-KR" sz="2000" dirty="0" smtClean="0"/>
-              <a:t>[DATA SAVE] </a:t>
-            </a:r>
-            <a:r>
-              <a:rPr lang="ko-KR" altLang="en-US" sz="2000" dirty="0" smtClean="0"/>
-              <a:t>표시</a:t>
-            </a:r>
-            <a:endParaRPr lang="en-US" altLang="ko-KR" sz="2000" dirty="0" smtClean="0"/>
-          </a:p>
-          <a:p>
-            <a:r>
-              <a:rPr lang="en-US" altLang="ko-KR" sz="2000" dirty="0" smtClean="0"/>
-              <a:t>[CANCLE ?] </a:t>
-            </a:r>
-            <a:r>
-              <a:rPr lang="ko-KR" altLang="en-US" sz="2000" dirty="0" smtClean="0"/>
-              <a:t>표시 후 </a:t>
-            </a:r>
-            <a:r>
-              <a:rPr lang="en-US" altLang="ko-KR" sz="2000" dirty="0" smtClean="0"/>
-              <a:t>10</a:t>
-            </a:r>
-            <a:r>
-              <a:rPr lang="ko-KR" altLang="en-US" sz="2000" dirty="0" smtClean="0"/>
-              <a:t>초 이내에 버튼이 눌러지지 않으면 측정 재개</a:t>
-            </a:r>
-            <a:endParaRPr lang="en-US" altLang="ko-KR" sz="2000" dirty="0" smtClean="0"/>
-          </a:p>
-          <a:p>
-            <a:r>
-              <a:rPr lang="ko-KR" altLang="en-US" sz="2000" dirty="0" smtClean="0"/>
-              <a:t>화면에 </a:t>
-            </a:r>
-            <a:r>
-              <a:rPr lang="en-US" altLang="ko-KR" sz="2000" dirty="0" smtClean="0"/>
-              <a:t>[DATA SAVE] </a:t>
-            </a:r>
-            <a:r>
-              <a:rPr lang="ko-KR" altLang="en-US" sz="2000" dirty="0" smtClean="0"/>
-              <a:t>표시된 상태에서 와이파이 연결이 되면 데이터 전송</a:t>
-            </a:r>
-            <a:r>
-              <a:rPr lang="en-US" altLang="ko-KR" sz="2000" dirty="0" smtClean="0"/>
-              <a:t>(</a:t>
-            </a:r>
-            <a:r>
-              <a:rPr lang="ko-KR" altLang="en-US" sz="2000" dirty="0" smtClean="0"/>
-              <a:t>자동</a:t>
-            </a:r>
-            <a:r>
-              <a:rPr lang="en-US" altLang="ko-KR" sz="2000" dirty="0" smtClean="0"/>
-              <a:t>/</a:t>
-            </a:r>
-            <a:r>
-              <a:rPr lang="ko-KR" altLang="en-US" sz="2000" dirty="0" smtClean="0"/>
-              <a:t>수동</a:t>
-            </a:r>
-            <a:r>
-              <a:rPr lang="en-US" altLang="ko-KR" sz="2000" dirty="0" smtClean="0"/>
-              <a:t>)</a:t>
-            </a:r>
-          </a:p>
-          <a:p>
-            <a:r>
-              <a:rPr lang="ko-KR" altLang="en-US" sz="2000" dirty="0" smtClean="0"/>
-              <a:t>수동일 경우 </a:t>
-            </a:r>
-            <a:r>
-              <a:rPr lang="en-US" altLang="ko-KR" sz="2000" dirty="0" smtClean="0"/>
-              <a:t>[SEND DATA?] </a:t>
-            </a:r>
-            <a:r>
-              <a:rPr lang="ko-KR" altLang="en-US" sz="2000" dirty="0" smtClean="0"/>
-              <a:t>화면에 표시 하고 </a:t>
-            </a:r>
-            <a:r>
-              <a:rPr lang="ko-KR" altLang="en-US" sz="2000" dirty="0" err="1" smtClean="0"/>
-              <a:t>버튼누르면</a:t>
-            </a:r>
-            <a:r>
-              <a:rPr lang="ko-KR" altLang="en-US" sz="2000" dirty="0" smtClean="0"/>
-              <a:t> 측정값 전송</a:t>
+              <a:t> 표시</a:t>
             </a:r>
             <a:endParaRPr lang="en-US" altLang="ko-KR" sz="2000" dirty="0" smtClean="0"/>
           </a:p>
